--- a/Revenue Value Driver Tree.pptx
+++ b/Revenue Value Driver Tree.pptx
@@ -9,6 +9,8 @@
   </p:notesMasterIdLst>
   <p:sldIdLst>
     <p:sldId id="256" r:id="rId8"/>
+    <p:sldId id="257" r:id="rId9"/>
+    <p:sldId id="258" r:id="rId10"/>
   </p:sldIdLst>
   <p:sldSz cx="8953500" cy="6718300"/>
   <p:notesSz cx="6858000" cy="9144000"/>
@@ -63,13 +65,13 @@
         </a:solidFill>
         <a:effectLst/>
         <a:uFillTx/>
-        <a:latin typeface="Arial"/>
-        <a:ea typeface="Arial"/>
-        <a:cs typeface="Arial"/>
-        <a:sym typeface="Arial"/>
+        <a:latin typeface="+mn-lt"/>
+        <a:ea typeface="+mn-ea"/>
+        <a:cs typeface="+mn-cs"/>
+        <a:sym typeface="Calibri"/>
       </a:defRPr>
     </a:lvl1pPr>
-    <a:lvl2pPr marL="0" marR="0" indent="457200" algn="l" defTabSz="914400" rtl="0" fontAlgn="auto" latinLnBrk="0" hangingPunct="0">
+    <a:lvl2pPr marL="0" marR="0" indent="0" algn="l" defTabSz="914400" rtl="0" fontAlgn="auto" latinLnBrk="0" hangingPunct="0">
       <a:lnSpc>
         <a:spcPct val="100000"/>
       </a:lnSpc>
@@ -93,13 +95,13 @@
         </a:solidFill>
         <a:effectLst/>
         <a:uFillTx/>
-        <a:latin typeface="Arial"/>
-        <a:ea typeface="Arial"/>
-        <a:cs typeface="Arial"/>
-        <a:sym typeface="Arial"/>
+        <a:latin typeface="+mn-lt"/>
+        <a:ea typeface="+mn-ea"/>
+        <a:cs typeface="+mn-cs"/>
+        <a:sym typeface="Calibri"/>
       </a:defRPr>
     </a:lvl2pPr>
-    <a:lvl3pPr marL="0" marR="0" indent="914400" algn="l" defTabSz="914400" rtl="0" fontAlgn="auto" latinLnBrk="0" hangingPunct="0">
+    <a:lvl3pPr marL="0" marR="0" indent="0" algn="l" defTabSz="914400" rtl="0" fontAlgn="auto" latinLnBrk="0" hangingPunct="0">
       <a:lnSpc>
         <a:spcPct val="100000"/>
       </a:lnSpc>
@@ -123,13 +125,13 @@
         </a:solidFill>
         <a:effectLst/>
         <a:uFillTx/>
-        <a:latin typeface="Arial"/>
-        <a:ea typeface="Arial"/>
-        <a:cs typeface="Arial"/>
-        <a:sym typeface="Arial"/>
+        <a:latin typeface="+mn-lt"/>
+        <a:ea typeface="+mn-ea"/>
+        <a:cs typeface="+mn-cs"/>
+        <a:sym typeface="Calibri"/>
       </a:defRPr>
     </a:lvl3pPr>
-    <a:lvl4pPr marL="0" marR="0" indent="1371600" algn="l" defTabSz="914400" rtl="0" fontAlgn="auto" latinLnBrk="0" hangingPunct="0">
+    <a:lvl4pPr marL="0" marR="0" indent="0" algn="l" defTabSz="914400" rtl="0" fontAlgn="auto" latinLnBrk="0" hangingPunct="0">
       <a:lnSpc>
         <a:spcPct val="100000"/>
       </a:lnSpc>
@@ -153,13 +155,13 @@
         </a:solidFill>
         <a:effectLst/>
         <a:uFillTx/>
-        <a:latin typeface="Arial"/>
-        <a:ea typeface="Arial"/>
-        <a:cs typeface="Arial"/>
-        <a:sym typeface="Arial"/>
+        <a:latin typeface="+mn-lt"/>
+        <a:ea typeface="+mn-ea"/>
+        <a:cs typeface="+mn-cs"/>
+        <a:sym typeface="Calibri"/>
       </a:defRPr>
     </a:lvl4pPr>
-    <a:lvl5pPr marL="0" marR="0" indent="1828800" algn="l" defTabSz="914400" rtl="0" fontAlgn="auto" latinLnBrk="0" hangingPunct="0">
+    <a:lvl5pPr marL="0" marR="0" indent="0" algn="l" defTabSz="914400" rtl="0" fontAlgn="auto" latinLnBrk="0" hangingPunct="0">
       <a:lnSpc>
         <a:spcPct val="100000"/>
       </a:lnSpc>
@@ -183,13 +185,13 @@
         </a:solidFill>
         <a:effectLst/>
         <a:uFillTx/>
-        <a:latin typeface="Arial"/>
-        <a:ea typeface="Arial"/>
-        <a:cs typeface="Arial"/>
-        <a:sym typeface="Arial"/>
+        <a:latin typeface="+mn-lt"/>
+        <a:ea typeface="+mn-ea"/>
+        <a:cs typeface="+mn-cs"/>
+        <a:sym typeface="Calibri"/>
       </a:defRPr>
     </a:lvl5pPr>
-    <a:lvl6pPr marL="0" marR="0" indent="2286000" algn="l" defTabSz="914400" rtl="0" fontAlgn="auto" latinLnBrk="0" hangingPunct="0">
+    <a:lvl6pPr marL="0" marR="0" indent="0" algn="l" defTabSz="914400" rtl="0" fontAlgn="auto" latinLnBrk="0" hangingPunct="0">
       <a:lnSpc>
         <a:spcPct val="100000"/>
       </a:lnSpc>
@@ -213,13 +215,13 @@
         </a:solidFill>
         <a:effectLst/>
         <a:uFillTx/>
-        <a:latin typeface="Arial"/>
-        <a:ea typeface="Arial"/>
-        <a:cs typeface="Arial"/>
-        <a:sym typeface="Arial"/>
+        <a:latin typeface="+mn-lt"/>
+        <a:ea typeface="+mn-ea"/>
+        <a:cs typeface="+mn-cs"/>
+        <a:sym typeface="Calibri"/>
       </a:defRPr>
     </a:lvl6pPr>
-    <a:lvl7pPr marL="0" marR="0" indent="2743200" algn="l" defTabSz="914400" rtl="0" fontAlgn="auto" latinLnBrk="0" hangingPunct="0">
+    <a:lvl7pPr marL="0" marR="0" indent="0" algn="l" defTabSz="914400" rtl="0" fontAlgn="auto" latinLnBrk="0" hangingPunct="0">
       <a:lnSpc>
         <a:spcPct val="100000"/>
       </a:lnSpc>
@@ -243,13 +245,13 @@
         </a:solidFill>
         <a:effectLst/>
         <a:uFillTx/>
-        <a:latin typeface="Arial"/>
-        <a:ea typeface="Arial"/>
-        <a:cs typeface="Arial"/>
-        <a:sym typeface="Arial"/>
+        <a:latin typeface="+mn-lt"/>
+        <a:ea typeface="+mn-ea"/>
+        <a:cs typeface="+mn-cs"/>
+        <a:sym typeface="Calibri"/>
       </a:defRPr>
     </a:lvl7pPr>
-    <a:lvl8pPr marL="0" marR="0" indent="3200400" algn="l" defTabSz="914400" rtl="0" fontAlgn="auto" latinLnBrk="0" hangingPunct="0">
+    <a:lvl8pPr marL="0" marR="0" indent="0" algn="l" defTabSz="914400" rtl="0" fontAlgn="auto" latinLnBrk="0" hangingPunct="0">
       <a:lnSpc>
         <a:spcPct val="100000"/>
       </a:lnSpc>
@@ -273,13 +275,13 @@
         </a:solidFill>
         <a:effectLst/>
         <a:uFillTx/>
-        <a:latin typeface="Arial"/>
-        <a:ea typeface="Arial"/>
-        <a:cs typeface="Arial"/>
-        <a:sym typeface="Arial"/>
+        <a:latin typeface="+mn-lt"/>
+        <a:ea typeface="+mn-ea"/>
+        <a:cs typeface="+mn-cs"/>
+        <a:sym typeface="Calibri"/>
       </a:defRPr>
     </a:lvl8pPr>
-    <a:lvl9pPr marL="0" marR="0" indent="3657600" algn="l" defTabSz="914400" rtl="0" fontAlgn="auto" latinLnBrk="0" hangingPunct="0">
+    <a:lvl9pPr marL="0" marR="0" indent="0" algn="l" defTabSz="914400" rtl="0" fontAlgn="auto" latinLnBrk="0" hangingPunct="0">
       <a:lnSpc>
         <a:spcPct val="100000"/>
       </a:lnSpc>
@@ -303,10 +305,10 @@
         </a:solidFill>
         <a:effectLst/>
         <a:uFillTx/>
-        <a:latin typeface="Arial"/>
-        <a:ea typeface="Arial"/>
-        <a:cs typeface="Arial"/>
-        <a:sym typeface="Arial"/>
+        <a:latin typeface="+mn-lt"/>
+        <a:ea typeface="+mn-ea"/>
+        <a:cs typeface="+mn-cs"/>
+        <a:sym typeface="Calibri"/>
       </a:defRPr>
     </a:lvl9pPr>
   </p:defaultTextStyle>
@@ -492,7 +494,7 @@
         <p:spPr>
           <a:xfrm>
             <a:off x="4030876" y="650494"/>
-            <a:ext cx="4769712" cy="984886"/>
+            <a:ext cx="4769713" cy="984887"/>
           </a:xfrm>
           <a:prstGeom prst="rect">
             <a:avLst/>
@@ -528,7 +530,7 @@
         <p:spPr>
           <a:xfrm>
             <a:off x="4030876" y="1887470"/>
-            <a:ext cx="4769713" cy="215445"/>
+            <a:ext cx="4769714" cy="215446"/>
           </a:xfrm>
           <a:prstGeom prst="rect">
             <a:avLst/>
@@ -545,13 +547,13 @@
             <a:lvl2pPr marL="169664" indent="-168076">
               <a:defRPr sz="1400"/>
             </a:lvl2pPr>
-            <a:lvl3pPr marL="424457" indent="-229195">
+            <a:lvl3pPr marL="424456" indent="-229194">
               <a:defRPr sz="1400"/>
             </a:lvl3pPr>
             <a:lvl4pPr marL="594916" indent="-136128">
               <a:defRPr sz="1400"/>
             </a:lvl4pPr>
-            <a:lvl5pPr marL="733536" indent="-113903">
+            <a:lvl5pPr marL="733535" indent="-113902">
               <a:defRPr sz="1400"/>
             </a:lvl5pPr>
           </a:lstStyle>
@@ -596,7 +598,7 @@
         <p:spPr>
           <a:xfrm>
             <a:off x="3174" y="6233824"/>
-            <a:ext cx="8958265" cy="487653"/>
+            <a:ext cx="8958265" cy="487654"/>
           </a:xfrm>
           <a:prstGeom prst="rect">
             <a:avLst/>
@@ -609,10 +611,17 @@
           </a:ln>
         </p:spPr>
         <p:txBody>
-          <a:bodyPr lIns="45719" rIns="45719" anchor="ctr"/>
+          <a:bodyPr lIns="45718" tIns="45718" rIns="45718" bIns="45718" anchor="ctr"/>
           <a:lstStyle/>
           <a:p>
-            <a:pPr algn="ctr"/>
+            <a:pPr algn="ctr">
+              <a:defRPr>
+                <a:latin typeface="Arial"/>
+                <a:ea typeface="Arial"/>
+                <a:cs typeface="Arial"/>
+                <a:sym typeface="Arial"/>
+              </a:defRPr>
+            </a:pPr>
           </a:p>
         </p:txBody>
       </p:sp>
@@ -625,7 +634,7 @@
         <p:spPr>
           <a:xfrm>
             <a:off x="-1" y="6187568"/>
-            <a:ext cx="8961440" cy="45720"/>
+            <a:ext cx="8961440" cy="45721"/>
           </a:xfrm>
           <a:prstGeom prst="rect">
             <a:avLst/>
@@ -638,10 +647,17 @@
           </a:ln>
         </p:spPr>
         <p:txBody>
-          <a:bodyPr lIns="45719" rIns="45719" anchor="ctr"/>
+          <a:bodyPr lIns="45718" tIns="45718" rIns="45718" bIns="45718" anchor="ctr"/>
           <a:lstStyle/>
           <a:p>
-            <a:pPr algn="ctr"/>
+            <a:pPr algn="ctr">
+              <a:defRPr>
+                <a:latin typeface="Arial"/>
+                <a:ea typeface="Arial"/>
+                <a:cs typeface="Arial"/>
+                <a:sym typeface="Arial"/>
+              </a:defRPr>
+            </a:pPr>
           </a:p>
         </p:txBody>
       </p:sp>
@@ -655,15 +671,15 @@
         </p:nvSpPr>
         <p:spPr>
           <a:xfrm>
-            <a:off x="4327525" y="6048025"/>
-            <a:ext cx="2089150" cy="357688"/>
+            <a:off x="6143021" y="6094743"/>
+            <a:ext cx="273654" cy="264253"/>
           </a:xfrm>
           <a:prstGeom prst="rect">
             <a:avLst/>
           </a:prstGeom>
         </p:spPr>
         <p:txBody>
-          <a:bodyPr lIns="45719" tIns="45719" rIns="45719" bIns="45719" anchor="ctr"/>
+          <a:bodyPr lIns="45718" tIns="45718" rIns="45718" bIns="45718" anchor="ctr"/>
           <a:lstStyle>
             <a:lvl1pPr>
               <a:defRPr sz="1200"/>
@@ -703,29 +719,7 @@
       </p:grpSpPr>
       <p:sp>
         <p:nvSpPr>
-          <p:cNvPr id="23" name="Slide Number"/>
-          <p:cNvSpPr txBox="1"/>
-          <p:nvPr>
-            <p:ph type="sldNum" sz="quarter" idx="2"/>
-          </p:nvPr>
-        </p:nvSpPr>
-        <p:spPr>
-          <a:prstGeom prst="rect">
-            <a:avLst/>
-          </a:prstGeom>
-        </p:spPr>
-        <p:txBody>
-          <a:bodyPr/>
-          <a:lstStyle/>
-          <a:p>
-            <a:pPr/>
-            <a:fld id="{86CB4B4D-7CA3-9044-876B-883B54F8677D}" type="slidenum"/>
-          </a:p>
-        </p:txBody>
-      </p:sp>
-      <p:sp>
-        <p:nvSpPr>
-          <p:cNvPr id="24" name="Title Text"/>
+          <p:cNvPr id="23" name="Title Text"/>
           <p:cNvSpPr txBox="1"/>
           <p:nvPr>
             <p:ph type="title"/>
@@ -744,6 +738,28 @@
             <a:r>
               <a:t>Title Text</a:t>
             </a:r>
+          </a:p>
+        </p:txBody>
+      </p:sp>
+      <p:sp>
+        <p:nvSpPr>
+          <p:cNvPr id="24" name="Slide Number"/>
+          <p:cNvSpPr txBox="1"/>
+          <p:nvPr>
+            <p:ph type="sldNum" sz="quarter" idx="2"/>
+          </p:nvPr>
+        </p:nvSpPr>
+        <p:spPr>
+          <a:prstGeom prst="rect">
+            <a:avLst/>
+          </a:prstGeom>
+        </p:spPr>
+        <p:txBody>
+          <a:bodyPr/>
+          <a:lstStyle/>
+          <a:p>
+            <a:pPr/>
+            <a:fld id="{86CB4B4D-7CA3-9044-876B-883B54F8677D}" type="slidenum"/>
           </a:p>
         </p:txBody>
       </p:sp>
@@ -782,49 +798,14 @@
       </p:grpSpPr>
       <p:sp>
         <p:nvSpPr>
-          <p:cNvPr id="2" name="Slide Number"/>
-          <p:cNvSpPr txBox="1"/>
-          <p:nvPr>
-            <p:ph type="sldNum" sz="quarter" idx="2"/>
-          </p:nvPr>
-        </p:nvSpPr>
-        <p:spPr>
-          <a:xfrm>
-            <a:off x="8662988" y="6458663"/>
-            <a:ext cx="127001" cy="127001"/>
-          </a:xfrm>
-          <a:prstGeom prst="rect">
-            <a:avLst/>
-          </a:prstGeom>
-          <a:ln w="12700">
-            <a:miter lim="400000"/>
-          </a:ln>
-        </p:spPr>
-        <p:txBody>
-          <a:bodyPr wrap="none" lIns="0" tIns="0" rIns="0" bIns="0" anchor="b">
-            <a:spAutoFit/>
-          </a:bodyPr>
-          <a:lstStyle>
-            <a:lvl1pPr algn="r">
-              <a:defRPr sz="800"/>
-            </a:lvl1pPr>
-          </a:lstStyle>
-          <a:p>
-            <a:pPr/>
-            <a:fld id="{86CB4B4D-7CA3-9044-876B-883B54F8677D}" type="slidenum"/>
-          </a:p>
-        </p:txBody>
-      </p:sp>
-      <p:sp>
-        <p:nvSpPr>
-          <p:cNvPr id="3" name="Rectangle 61"/>
+          <p:cNvPr id="2" name="Rectangle 61"/>
           <p:cNvSpPr/>
           <p:nvPr/>
         </p:nvSpPr>
         <p:spPr>
           <a:xfrm>
             <a:off x="-1" y="6674787"/>
-            <a:ext cx="8961440" cy="45720"/>
+            <a:ext cx="8961440" cy="45721"/>
           </a:xfrm>
           <a:prstGeom prst="rect">
             <a:avLst/>
@@ -837,16 +818,23 @@
           </a:ln>
         </p:spPr>
         <p:txBody>
-          <a:bodyPr lIns="45719" rIns="45719" anchor="ctr"/>
+          <a:bodyPr lIns="45718" tIns="45718" rIns="45718" bIns="45718" anchor="ctr"/>
           <a:lstStyle/>
           <a:p>
-            <a:pPr algn="ctr"/>
+            <a:pPr algn="ctr">
+              <a:defRPr>
+                <a:latin typeface="Arial"/>
+                <a:ea typeface="Arial"/>
+                <a:cs typeface="Arial"/>
+                <a:sym typeface="Arial"/>
+              </a:defRPr>
+            </a:pPr>
           </a:p>
         </p:txBody>
       </p:sp>
       <p:sp>
         <p:nvSpPr>
-          <p:cNvPr id="4" name="Title Text"/>
+          <p:cNvPr id="3" name="Title Text"/>
           <p:cNvSpPr txBox="1"/>
           <p:nvPr>
             <p:ph type="title"/>
@@ -884,7 +872,7 @@
       </p:sp>
       <p:sp>
         <p:nvSpPr>
-          <p:cNvPr id="5" name="Body Level One…"/>
+          <p:cNvPr id="4" name="Body Level One…"/>
           <p:cNvSpPr txBox="1"/>
           <p:nvPr>
             <p:ph type="body" idx="1"/>
@@ -892,8 +880,8 @@
         </p:nvSpPr>
         <p:spPr>
           <a:xfrm>
-            <a:off x="447675" y="1567603"/>
-            <a:ext cx="8058150" cy="5150698"/>
+            <a:off x="4997482" y="2388728"/>
+            <a:ext cx="3506789" cy="4329572"/>
           </a:xfrm>
           <a:prstGeom prst="rect">
             <a:avLst/>
@@ -942,6 +930,46 @@
           </a:p>
         </p:txBody>
       </p:sp>
+      <p:sp>
+        <p:nvSpPr>
+          <p:cNvPr id="5" name="Slide Number"/>
+          <p:cNvSpPr txBox="1"/>
+          <p:nvPr>
+            <p:ph type="sldNum" sz="quarter" idx="2"/>
+          </p:nvPr>
+        </p:nvSpPr>
+        <p:spPr>
+          <a:xfrm>
+            <a:off x="8662989" y="6458663"/>
+            <a:ext cx="127001" cy="127001"/>
+          </a:xfrm>
+          <a:prstGeom prst="rect">
+            <a:avLst/>
+          </a:prstGeom>
+          <a:ln w="12700">
+            <a:miter lim="400000"/>
+          </a:ln>
+        </p:spPr>
+        <p:txBody>
+          <a:bodyPr wrap="none" lIns="0" tIns="0" rIns="0" bIns="0" anchor="b">
+            <a:spAutoFit/>
+          </a:bodyPr>
+          <a:lstStyle>
+            <a:lvl1pPr algn="r">
+              <a:defRPr sz="800">
+                <a:latin typeface="Arial"/>
+                <a:ea typeface="Arial"/>
+                <a:cs typeface="Arial"/>
+                <a:sym typeface="Arial"/>
+              </a:defRPr>
+            </a:lvl1pPr>
+          </a:lstStyle>
+          <a:p>
+            <a:pPr/>
+            <a:fld id="{86CB4B4D-7CA3-9044-876B-883B54F8677D}" type="slidenum"/>
+          </a:p>
+        </p:txBody>
+      </p:sp>
     </p:spTree>
   </p:cSld>
   <p:clrMap bg1="lt1" tx1="dk1" bg2="lt2" tx2="dk2" accent1="accent1" accent2="accent2" accent3="accent3" accent4="accent4" accent5="accent5" accent6="accent6" hlink="hlink" folHlink="folHlink"/>
@@ -1092,7 +1120,7 @@
           <a:sym typeface="Arial"/>
         </a:defRPr>
       </a:lvl5pPr>
-      <a:lvl6pPr marL="0" marR="0" indent="457200" algn="l" defTabSz="895350" rtl="0" latinLnBrk="0">
+      <a:lvl6pPr marL="0" marR="0" indent="0" algn="l" defTabSz="895350" rtl="0" latinLnBrk="0">
         <a:lnSpc>
           <a:spcPct val="100000"/>
         </a:lnSpc>
@@ -1120,7 +1148,7 @@
           <a:sym typeface="Arial"/>
         </a:defRPr>
       </a:lvl6pPr>
-      <a:lvl7pPr marL="0" marR="0" indent="914400" algn="l" defTabSz="895350" rtl="0" latinLnBrk="0">
+      <a:lvl7pPr marL="0" marR="0" indent="0" algn="l" defTabSz="895350" rtl="0" latinLnBrk="0">
         <a:lnSpc>
           <a:spcPct val="100000"/>
         </a:lnSpc>
@@ -1148,7 +1176,7 @@
           <a:sym typeface="Arial"/>
         </a:defRPr>
       </a:lvl7pPr>
-      <a:lvl8pPr marL="0" marR="0" indent="1371600" algn="l" defTabSz="895350" rtl="0" latinLnBrk="0">
+      <a:lvl8pPr marL="0" marR="0" indent="0" algn="l" defTabSz="895350" rtl="0" latinLnBrk="0">
         <a:lnSpc>
           <a:spcPct val="100000"/>
         </a:lnSpc>
@@ -1176,7 +1204,7 @@
           <a:sym typeface="Arial"/>
         </a:defRPr>
       </a:lvl8pPr>
-      <a:lvl9pPr marL="0" marR="0" indent="1828800" algn="l" defTabSz="895350" rtl="0" latinLnBrk="0">
+      <a:lvl9pPr marL="0" marR="0" indent="0" algn="l" defTabSz="895350" rtl="0" latinLnBrk="0">
         <a:lnSpc>
           <a:spcPct val="100000"/>
         </a:lnSpc>
@@ -1468,7 +1496,7 @@
           <a:sym typeface="Arial"/>
         </a:defRPr>
       </a:lvl1pPr>
-      <a:lvl2pPr marL="0" marR="0" indent="457200" algn="r" defTabSz="914400" rtl="0" latinLnBrk="0">
+      <a:lvl2pPr marL="0" marR="0" indent="0" algn="r" defTabSz="914400" rtl="0" latinLnBrk="0">
         <a:lnSpc>
           <a:spcPct val="100000"/>
         </a:lnSpc>
@@ -1494,7 +1522,7 @@
           <a:sym typeface="Arial"/>
         </a:defRPr>
       </a:lvl2pPr>
-      <a:lvl3pPr marL="0" marR="0" indent="914400" algn="r" defTabSz="914400" rtl="0" latinLnBrk="0">
+      <a:lvl3pPr marL="0" marR="0" indent="0" algn="r" defTabSz="914400" rtl="0" latinLnBrk="0">
         <a:lnSpc>
           <a:spcPct val="100000"/>
         </a:lnSpc>
@@ -1520,7 +1548,7 @@
           <a:sym typeface="Arial"/>
         </a:defRPr>
       </a:lvl3pPr>
-      <a:lvl4pPr marL="0" marR="0" indent="1371600" algn="r" defTabSz="914400" rtl="0" latinLnBrk="0">
+      <a:lvl4pPr marL="0" marR="0" indent="0" algn="r" defTabSz="914400" rtl="0" latinLnBrk="0">
         <a:lnSpc>
           <a:spcPct val="100000"/>
         </a:lnSpc>
@@ -1546,7 +1574,7 @@
           <a:sym typeface="Arial"/>
         </a:defRPr>
       </a:lvl4pPr>
-      <a:lvl5pPr marL="0" marR="0" indent="1828800" algn="r" defTabSz="914400" rtl="0" latinLnBrk="0">
+      <a:lvl5pPr marL="0" marR="0" indent="0" algn="r" defTabSz="914400" rtl="0" latinLnBrk="0">
         <a:lnSpc>
           <a:spcPct val="100000"/>
         </a:lnSpc>
@@ -1572,7 +1600,7 @@
           <a:sym typeface="Arial"/>
         </a:defRPr>
       </a:lvl5pPr>
-      <a:lvl6pPr marL="0" marR="0" indent="2286000" algn="r" defTabSz="914400" rtl="0" latinLnBrk="0">
+      <a:lvl6pPr marL="0" marR="0" indent="0" algn="r" defTabSz="914400" rtl="0" latinLnBrk="0">
         <a:lnSpc>
           <a:spcPct val="100000"/>
         </a:lnSpc>
@@ -1598,7 +1626,7 @@
           <a:sym typeface="Arial"/>
         </a:defRPr>
       </a:lvl6pPr>
-      <a:lvl7pPr marL="0" marR="0" indent="2743200" algn="r" defTabSz="914400" rtl="0" latinLnBrk="0">
+      <a:lvl7pPr marL="0" marR="0" indent="0" algn="r" defTabSz="914400" rtl="0" latinLnBrk="0">
         <a:lnSpc>
           <a:spcPct val="100000"/>
         </a:lnSpc>
@@ -1624,7 +1652,7 @@
           <a:sym typeface="Arial"/>
         </a:defRPr>
       </a:lvl7pPr>
-      <a:lvl8pPr marL="0" marR="0" indent="3200400" algn="r" defTabSz="914400" rtl="0" latinLnBrk="0">
+      <a:lvl8pPr marL="0" marR="0" indent="0" algn="r" defTabSz="914400" rtl="0" latinLnBrk="0">
         <a:lnSpc>
           <a:spcPct val="100000"/>
         </a:lnSpc>
@@ -1650,7 +1678,7 @@
           <a:sym typeface="Arial"/>
         </a:defRPr>
       </a:lvl8pPr>
-      <a:lvl9pPr marL="0" marR="0" indent="3657600" algn="r" defTabSz="914400" rtl="0" latinLnBrk="0">
+      <a:lvl9pPr marL="0" marR="0" indent="0" algn="r" defTabSz="914400" rtl="0" latinLnBrk="0">
         <a:lnSpc>
           <a:spcPct val="100000"/>
         </a:lnSpc>
@@ -1698,1403 +1726,26 @@
           <a:chExt cx="0" cy="0"/>
         </a:xfrm>
       </p:grpSpPr>
-      <p:sp>
-        <p:nvSpPr>
-          <p:cNvPr id="33" name="Slide Number"/>
-          <p:cNvSpPr txBox="1"/>
-          <p:nvPr>
-            <p:ph type="sldNum" sz="quarter" idx="2"/>
-          </p:nvPr>
-        </p:nvSpPr>
+      <p:pic>
+        <p:nvPicPr>
+          <p:cNvPr id="33" name="Picture 2" descr="Picture 2"/>
+          <p:cNvPicPr>
+            <a:picLocks noChangeAspect="1"/>
+          </p:cNvPicPr>
+          <p:nvPr/>
+        </p:nvPicPr>
+        <p:blipFill>
+          <a:blip r:embed="rId2">
+            <a:extLst/>
+          </a:blip>
+          <a:stretch>
+            <a:fillRect/>
+          </a:stretch>
+        </p:blipFill>
         <p:spPr>
           <a:xfrm>
-            <a:off x="8662988" y="6458663"/>
-            <a:ext cx="127001" cy="127001"/>
-          </a:xfrm>
-          <a:prstGeom prst="rect">
-            <a:avLst/>
-          </a:prstGeom>
-          <a:extLst>
-            <a:ext uri="{C572A759-6A51-4108-AA02-DFA0A04FC94B}">
-              <ma14:wrappingTextBoxFlag xmlns:ma14="http://schemas.microsoft.com/office/mac/drawingml/2011/main" val="1"/>
-            </a:ext>
-          </a:extLst>
-        </p:spPr>
-        <p:txBody>
-          <a:bodyPr/>
-          <a:lstStyle/>
-          <a:p>
-            <a:pPr/>
-            <a:fld id="{86CB4B4D-7CA3-9044-876B-883B54F8677D}" type="slidenum"/>
-          </a:p>
-        </p:txBody>
-      </p:sp>
-      <p:sp>
-        <p:nvSpPr>
-          <p:cNvPr id="34" name="Title 1"/>
-          <p:cNvSpPr txBox="1"/>
-          <p:nvPr>
-            <p:ph type="title"/>
-          </p:nvPr>
-        </p:nvSpPr>
-        <p:spPr>
-          <a:xfrm>
-            <a:off x="171450" y="185144"/>
-            <a:ext cx="8737601" cy="215445"/>
-          </a:xfrm>
-          <a:prstGeom prst="rect">
-            <a:avLst/>
-          </a:prstGeom>
-        </p:spPr>
-        <p:txBody>
-          <a:bodyPr/>
-          <a:lstStyle>
-            <a:lvl1pPr>
-              <a:defRPr b="1" sz="1400"/>
-            </a:lvl1pPr>
-          </a:lstStyle>
-          <a:p>
-            <a:pPr/>
-            <a:r>
-              <a:t>Revenue Value Driver Tree</a:t>
-            </a:r>
-          </a:p>
-        </p:txBody>
-      </p:sp>
-      <p:grpSp>
-        <p:nvGrpSpPr>
-          <p:cNvPr id="37" name="Rectangle 2"/>
-          <p:cNvGrpSpPr/>
-          <p:nvPr/>
-        </p:nvGrpSpPr>
-        <p:grpSpPr>
-          <a:xfrm>
-            <a:off x="330200" y="3005136"/>
-            <a:ext cx="1517650" cy="711201"/>
-            <a:chOff x="0" y="0"/>
-            <a:chExt cx="1517650" cy="711200"/>
-          </a:xfrm>
-        </p:grpSpPr>
-        <p:sp>
-          <p:nvSpPr>
-            <p:cNvPr id="35" name="Rectangle"/>
-            <p:cNvSpPr/>
-            <p:nvPr/>
-          </p:nvSpPr>
-          <p:spPr>
-            <a:xfrm>
-              <a:off x="0" y="0"/>
-              <a:ext cx="1517650" cy="711200"/>
-            </a:xfrm>
-            <a:prstGeom prst="rect">
-              <a:avLst/>
-            </a:prstGeom>
-            <a:solidFill>
-              <a:schemeClr val="accent1"/>
-            </a:solidFill>
-            <a:ln w="9525" cap="flat">
-              <a:solidFill>
-                <a:schemeClr val="accent6"/>
-              </a:solidFill>
-              <a:prstDash val="solid"/>
-              <a:round/>
-            </a:ln>
-            <a:effectLst/>
-          </p:spPr>
-          <p:txBody>
-            <a:bodyPr wrap="square" lIns="45719" tIns="45719" rIns="45719" bIns="45719" numCol="1" anchor="ctr">
-              <a:noAutofit/>
-            </a:bodyPr>
-            <a:lstStyle/>
-            <a:p>
-              <a:pPr algn="ctr">
-                <a:defRPr b="1" sz="1000"/>
-              </a:pPr>
-            </a:p>
-          </p:txBody>
-        </p:sp>
-        <p:sp>
-          <p:nvSpPr>
-            <p:cNvPr id="36" name="Revenues"/>
-            <p:cNvSpPr txBox="1"/>
-            <p:nvPr/>
-          </p:nvSpPr>
-          <p:spPr>
-            <a:xfrm>
-              <a:off x="50482" y="242107"/>
-              <a:ext cx="1416686" cy="226986"/>
-            </a:xfrm>
-            <a:prstGeom prst="rect">
-              <a:avLst/>
-            </a:prstGeom>
-            <a:noFill/>
-            <a:ln w="12700" cap="flat">
-              <a:noFill/>
-              <a:miter lim="400000"/>
-            </a:ln>
-            <a:effectLst/>
-            <a:extLst>
-              <a:ext uri="{C572A759-6A51-4108-AA02-DFA0A04FC94B}">
-                <ma14:wrappingTextBoxFlag xmlns:ma14="http://schemas.microsoft.com/office/mac/drawingml/2011/main" val="1"/>
-              </a:ext>
-            </a:extLst>
-          </p:spPr>
-          <p:txBody>
-            <a:bodyPr wrap="square" lIns="45719" tIns="45719" rIns="45719" bIns="45719" numCol="1" anchor="ctr">
-              <a:spAutoFit/>
-            </a:bodyPr>
-            <a:lstStyle>
-              <a:lvl1pPr algn="ctr">
-                <a:defRPr b="1" sz="1000"/>
-              </a:lvl1pPr>
-            </a:lstStyle>
-            <a:p>
-              <a:pPr/>
-              <a:r>
-                <a:t>Revenues</a:t>
-              </a:r>
-            </a:p>
-          </p:txBody>
-        </p:sp>
-      </p:grpSp>
-      <p:grpSp>
-        <p:nvGrpSpPr>
-          <p:cNvPr id="40" name="Rectangle 4"/>
-          <p:cNvGrpSpPr/>
-          <p:nvPr/>
-        </p:nvGrpSpPr>
-        <p:grpSpPr>
-          <a:xfrm>
-            <a:off x="2597150" y="1239116"/>
-            <a:ext cx="1517650" cy="711201"/>
-            <a:chOff x="0" y="0"/>
-            <a:chExt cx="1517650" cy="711200"/>
-          </a:xfrm>
-        </p:grpSpPr>
-        <p:sp>
-          <p:nvSpPr>
-            <p:cNvPr id="38" name="Rectangle"/>
-            <p:cNvSpPr/>
-            <p:nvPr/>
-          </p:nvSpPr>
-          <p:spPr>
-            <a:xfrm>
-              <a:off x="0" y="0"/>
-              <a:ext cx="1517650" cy="711200"/>
-            </a:xfrm>
-            <a:prstGeom prst="rect">
-              <a:avLst/>
-            </a:prstGeom>
-            <a:solidFill>
-              <a:schemeClr val="accent1"/>
-            </a:solidFill>
-            <a:ln w="9525" cap="flat">
-              <a:solidFill>
-                <a:schemeClr val="accent6"/>
-              </a:solidFill>
-              <a:prstDash val="solid"/>
-              <a:round/>
-            </a:ln>
-            <a:effectLst/>
-          </p:spPr>
-          <p:txBody>
-            <a:bodyPr wrap="square" lIns="45719" tIns="45719" rIns="45719" bIns="45719" numCol="1" anchor="ctr">
-              <a:noAutofit/>
-            </a:bodyPr>
-            <a:lstStyle/>
-            <a:p>
-              <a:pPr algn="ctr">
-                <a:defRPr>
-                  <a:solidFill>
-                    <a:srgbClr val="FFFFFF"/>
-                  </a:solidFill>
-                </a:defRPr>
-              </a:pPr>
-            </a:p>
-          </p:txBody>
-        </p:sp>
-        <p:sp>
-          <p:nvSpPr>
-            <p:cNvPr id="39" name="Private Water Hedge Sales"/>
-            <p:cNvSpPr txBox="1"/>
-            <p:nvPr/>
-          </p:nvSpPr>
-          <p:spPr>
-            <a:xfrm>
-              <a:off x="50482" y="172257"/>
-              <a:ext cx="1416686" cy="366686"/>
-            </a:xfrm>
-            <a:prstGeom prst="rect">
-              <a:avLst/>
-            </a:prstGeom>
-            <a:noFill/>
-            <a:ln w="12700" cap="flat">
-              <a:noFill/>
-              <a:miter lim="400000"/>
-            </a:ln>
-            <a:effectLst/>
-            <a:extLst>
-              <a:ext uri="{C572A759-6A51-4108-AA02-DFA0A04FC94B}">
-                <ma14:wrappingTextBoxFlag xmlns:ma14="http://schemas.microsoft.com/office/mac/drawingml/2011/main" val="1"/>
-              </a:ext>
-            </a:extLst>
-          </p:spPr>
-          <p:txBody>
-            <a:bodyPr wrap="square" lIns="45719" tIns="45719" rIns="45719" bIns="45719" numCol="1" anchor="ctr">
-              <a:spAutoFit/>
-            </a:bodyPr>
-            <a:lstStyle>
-              <a:lvl1pPr algn="ctr">
-                <a:defRPr b="1" sz="1000">
-                  <a:solidFill>
-                    <a:srgbClr val="FFFFFF"/>
-                  </a:solidFill>
-                </a:defRPr>
-              </a:lvl1pPr>
-            </a:lstStyle>
-            <a:p>
-              <a:pPr/>
-              <a:r>
-                <a:t>Private Water Hedge Sales</a:t>
-              </a:r>
-            </a:p>
-          </p:txBody>
-        </p:sp>
-      </p:grpSp>
-      <p:grpSp>
-        <p:nvGrpSpPr>
-          <p:cNvPr id="43" name="Rectangle 5"/>
-          <p:cNvGrpSpPr/>
-          <p:nvPr/>
-        </p:nvGrpSpPr>
-        <p:grpSpPr>
-          <a:xfrm>
-            <a:off x="2606675" y="5169687"/>
-            <a:ext cx="1517650" cy="711201"/>
-            <a:chOff x="0" y="0"/>
-            <a:chExt cx="1517650" cy="711200"/>
-          </a:xfrm>
-        </p:grpSpPr>
-        <p:sp>
-          <p:nvSpPr>
-            <p:cNvPr id="41" name="Rectangle"/>
-            <p:cNvSpPr/>
-            <p:nvPr/>
-          </p:nvSpPr>
-          <p:spPr>
-            <a:xfrm>
-              <a:off x="0" y="0"/>
-              <a:ext cx="1517650" cy="711200"/>
-            </a:xfrm>
-            <a:prstGeom prst="rect">
-              <a:avLst/>
-            </a:prstGeom>
-            <a:solidFill>
-              <a:schemeClr val="accent1"/>
-            </a:solidFill>
-            <a:ln w="9525" cap="flat">
-              <a:solidFill>
-                <a:schemeClr val="accent6"/>
-              </a:solidFill>
-              <a:prstDash val="solid"/>
-              <a:round/>
-            </a:ln>
-            <a:effectLst/>
-          </p:spPr>
-          <p:txBody>
-            <a:bodyPr wrap="square" lIns="45719" tIns="45719" rIns="45719" bIns="45719" numCol="1" anchor="ctr">
-              <a:noAutofit/>
-            </a:bodyPr>
-            <a:lstStyle/>
-            <a:p>
-              <a:pPr algn="ctr">
-                <a:defRPr>
-                  <a:solidFill>
-                    <a:srgbClr val="FFFFFF"/>
-                  </a:solidFill>
-                </a:defRPr>
-              </a:pPr>
-            </a:p>
-          </p:txBody>
-        </p:sp>
-        <p:sp>
-          <p:nvSpPr>
-            <p:cNvPr id="42" name="Residential Sales"/>
-            <p:cNvSpPr txBox="1"/>
-            <p:nvPr/>
-          </p:nvSpPr>
-          <p:spPr>
-            <a:xfrm>
-              <a:off x="50482" y="242107"/>
-              <a:ext cx="1416686" cy="226986"/>
-            </a:xfrm>
-            <a:prstGeom prst="rect">
-              <a:avLst/>
-            </a:prstGeom>
-            <a:noFill/>
-            <a:ln w="12700" cap="flat">
-              <a:noFill/>
-              <a:miter lim="400000"/>
-            </a:ln>
-            <a:effectLst/>
-            <a:extLst>
-              <a:ext uri="{C572A759-6A51-4108-AA02-DFA0A04FC94B}">
-                <ma14:wrappingTextBoxFlag xmlns:ma14="http://schemas.microsoft.com/office/mac/drawingml/2011/main" val="1"/>
-              </a:ext>
-            </a:extLst>
-          </p:spPr>
-          <p:txBody>
-            <a:bodyPr wrap="square" lIns="45719" tIns="45719" rIns="45719" bIns="45719" numCol="1" anchor="ctr">
-              <a:spAutoFit/>
-            </a:bodyPr>
-            <a:lstStyle>
-              <a:lvl1pPr algn="ctr">
-                <a:defRPr b="1" sz="1000">
-                  <a:solidFill>
-                    <a:srgbClr val="FFFFFF"/>
-                  </a:solidFill>
-                </a:defRPr>
-              </a:lvl1pPr>
-            </a:lstStyle>
-            <a:p>
-              <a:pPr/>
-              <a:r>
-                <a:t>Residential Sales</a:t>
-              </a:r>
-            </a:p>
-          </p:txBody>
-        </p:sp>
-      </p:grpSp>
-      <p:sp>
-        <p:nvSpPr>
-          <p:cNvPr id="75" name="Connector: Elbow 7"/>
-          <p:cNvSpPr/>
-          <p:nvPr/>
-        </p:nvSpPr>
-        <p:spPr>
-          <a:xfrm>
-            <a:off x="1851660" y="1593850"/>
-            <a:ext cx="740411" cy="1766570"/>
-          </a:xfrm>
-          <a:custGeom>
-            <a:avLst/>
-            <a:gdLst/>
-            <a:ahLst/>
-            <a:cxnLst>
-              <a:cxn ang="0">
-                <a:pos x="wd2" y="hd2"/>
-              </a:cxn>
-              <a:cxn ang="5400000">
-                <a:pos x="wd2" y="hd2"/>
-              </a:cxn>
-              <a:cxn ang="10800000">
-                <a:pos x="wd2" y="hd2"/>
-              </a:cxn>
-              <a:cxn ang="16200000">
-                <a:pos x="wd2" y="hd2"/>
-              </a:cxn>
-            </a:cxnLst>
-            <a:rect l="0" t="0" r="r" b="b"/>
-            <a:pathLst>
-              <a:path w="21600" h="21600" fill="norm" stroke="1" extrusionOk="0">
-                <a:moveTo>
-                  <a:pt x="0" y="21600"/>
-                </a:moveTo>
-                <a:lnTo>
-                  <a:pt x="10819" y="21600"/>
-                </a:lnTo>
-                <a:lnTo>
-                  <a:pt x="10819" y="0"/>
-                </a:lnTo>
-                <a:lnTo>
-                  <a:pt x="21600" y="0"/>
-                </a:lnTo>
-              </a:path>
-            </a:pathLst>
-          </a:custGeom>
-          <a:ln>
-            <a:solidFill>
-              <a:schemeClr val="accent6"/>
-            </a:solidFill>
-            <a:tailEnd type="triangle"/>
-          </a:ln>
-        </p:spPr>
-        <p:txBody>
-          <a:bodyPr/>
-          <a:lstStyle/>
-          <a:p>
-            <a:pPr/>
-          </a:p>
-        </p:txBody>
-      </p:sp>
-      <p:sp>
-        <p:nvSpPr>
-          <p:cNvPr id="76" name="Connector: Elbow 9"/>
-          <p:cNvSpPr/>
-          <p:nvPr/>
-        </p:nvSpPr>
-        <p:spPr>
-          <a:xfrm>
-            <a:off x="1851660" y="3360420"/>
-            <a:ext cx="749300" cy="2164080"/>
-          </a:xfrm>
-          <a:custGeom>
-            <a:avLst/>
-            <a:gdLst/>
-            <a:ahLst/>
-            <a:cxnLst>
-              <a:cxn ang="0">
-                <a:pos x="wd2" y="hd2"/>
-              </a:cxn>
-              <a:cxn ang="5400000">
-                <a:pos x="wd2" y="hd2"/>
-              </a:cxn>
-              <a:cxn ang="10800000">
-                <a:pos x="wd2" y="hd2"/>
-              </a:cxn>
-              <a:cxn ang="16200000">
-                <a:pos x="wd2" y="hd2"/>
-              </a:cxn>
-            </a:cxnLst>
-            <a:rect l="0" t="0" r="r" b="b"/>
-            <a:pathLst>
-              <a:path w="21600" h="21600" fill="norm" stroke="1" extrusionOk="0">
-                <a:moveTo>
-                  <a:pt x="0" y="0"/>
-                </a:moveTo>
-                <a:lnTo>
-                  <a:pt x="10800" y="0"/>
-                </a:lnTo>
-                <a:lnTo>
-                  <a:pt x="10800" y="21600"/>
-                </a:lnTo>
-                <a:lnTo>
-                  <a:pt x="21600" y="21600"/>
-                </a:lnTo>
-              </a:path>
-            </a:pathLst>
-          </a:custGeom>
-          <a:ln>
-            <a:solidFill>
-              <a:schemeClr val="accent6"/>
-            </a:solidFill>
-            <a:tailEnd type="triangle"/>
-          </a:ln>
-        </p:spPr>
-        <p:txBody>
-          <a:bodyPr/>
-          <a:lstStyle/>
-          <a:p>
-            <a:pPr/>
-          </a:p>
-        </p:txBody>
-      </p:sp>
-      <p:sp>
-        <p:nvSpPr>
-          <p:cNvPr id="46" name="Straight Connector 15"/>
-          <p:cNvSpPr/>
-          <p:nvPr/>
-        </p:nvSpPr>
-        <p:spPr>
-          <a:xfrm>
-            <a:off x="171450" y="512983"/>
-            <a:ext cx="8439151" cy="1"/>
-          </a:xfrm>
-          <a:prstGeom prst="line">
-            <a:avLst/>
-          </a:prstGeom>
-          <a:ln>
-            <a:solidFill>
-              <a:schemeClr val="accent3"/>
-            </a:solidFill>
-          </a:ln>
-        </p:spPr>
-        <p:txBody>
-          <a:bodyPr lIns="45719" rIns="45719"/>
-          <a:lstStyle/>
-          <a:p>
-            <a:pPr/>
-          </a:p>
-        </p:txBody>
-      </p:sp>
-      <p:grpSp>
-        <p:nvGrpSpPr>
-          <p:cNvPr id="49" name="Rectangle 23"/>
-          <p:cNvGrpSpPr/>
-          <p:nvPr/>
-        </p:nvGrpSpPr>
-        <p:grpSpPr>
-          <a:xfrm>
-            <a:off x="2606675" y="3048067"/>
-            <a:ext cx="1517650" cy="711201"/>
-            <a:chOff x="0" y="0"/>
-            <a:chExt cx="1517650" cy="711200"/>
-          </a:xfrm>
-        </p:grpSpPr>
-        <p:sp>
-          <p:nvSpPr>
-            <p:cNvPr id="47" name="Rectangle"/>
-            <p:cNvSpPr/>
-            <p:nvPr/>
-          </p:nvSpPr>
-          <p:spPr>
-            <a:xfrm>
-              <a:off x="0" y="0"/>
-              <a:ext cx="1517650" cy="711200"/>
-            </a:xfrm>
-            <a:prstGeom prst="rect">
-              <a:avLst/>
-            </a:prstGeom>
-            <a:solidFill>
-              <a:schemeClr val="accent1"/>
-            </a:solidFill>
-            <a:ln w="9525" cap="flat">
-              <a:solidFill>
-                <a:schemeClr val="accent6"/>
-              </a:solidFill>
-              <a:prstDash val="solid"/>
-              <a:round/>
-            </a:ln>
-            <a:effectLst/>
-          </p:spPr>
-          <p:txBody>
-            <a:bodyPr wrap="square" lIns="45719" tIns="45719" rIns="45719" bIns="45719" numCol="1" anchor="ctr">
-              <a:noAutofit/>
-            </a:bodyPr>
-            <a:lstStyle/>
-            <a:p>
-              <a:pPr algn="ctr">
-                <a:defRPr>
-                  <a:solidFill>
-                    <a:srgbClr val="FFFFFF"/>
-                  </a:solidFill>
-                </a:defRPr>
-              </a:pPr>
-            </a:p>
-          </p:txBody>
-        </p:sp>
-        <p:sp>
-          <p:nvSpPr>
-            <p:cNvPr id="48" name="Public Sales"/>
-            <p:cNvSpPr txBox="1"/>
-            <p:nvPr/>
-          </p:nvSpPr>
-          <p:spPr>
-            <a:xfrm>
-              <a:off x="50482" y="242107"/>
-              <a:ext cx="1416686" cy="226986"/>
-            </a:xfrm>
-            <a:prstGeom prst="rect">
-              <a:avLst/>
-            </a:prstGeom>
-            <a:noFill/>
-            <a:ln w="12700" cap="flat">
-              <a:noFill/>
-              <a:miter lim="400000"/>
-            </a:ln>
-            <a:effectLst/>
-            <a:extLst>
-              <a:ext uri="{C572A759-6A51-4108-AA02-DFA0A04FC94B}">
-                <ma14:wrappingTextBoxFlag xmlns:ma14="http://schemas.microsoft.com/office/mac/drawingml/2011/main" val="1"/>
-              </a:ext>
-            </a:extLst>
-          </p:spPr>
-          <p:txBody>
-            <a:bodyPr wrap="square" lIns="45719" tIns="45719" rIns="45719" bIns="45719" numCol="1" anchor="ctr">
-              <a:spAutoFit/>
-            </a:bodyPr>
-            <a:lstStyle>
-              <a:lvl1pPr algn="ctr">
-                <a:defRPr b="1" sz="1000">
-                  <a:solidFill>
-                    <a:srgbClr val="FFFFFF"/>
-                  </a:solidFill>
-                </a:defRPr>
-              </a:lvl1pPr>
-            </a:lstStyle>
-            <a:p>
-              <a:pPr/>
-              <a:r>
-                <a:t>Public Sales</a:t>
-              </a:r>
-            </a:p>
-          </p:txBody>
-        </p:sp>
-      </p:grpSp>
-      <p:grpSp>
-        <p:nvGrpSpPr>
-          <p:cNvPr id="52" name="Rectangle 24"/>
-          <p:cNvGrpSpPr/>
-          <p:nvPr/>
-        </p:nvGrpSpPr>
-        <p:grpSpPr>
-          <a:xfrm>
-            <a:off x="4978400" y="764281"/>
-            <a:ext cx="1517650" cy="439439"/>
-            <a:chOff x="0" y="0"/>
-            <a:chExt cx="1517650" cy="439438"/>
-          </a:xfrm>
-        </p:grpSpPr>
-        <p:sp>
-          <p:nvSpPr>
-            <p:cNvPr id="50" name="Rectangle"/>
-            <p:cNvSpPr/>
-            <p:nvPr/>
-          </p:nvSpPr>
-          <p:spPr>
-            <a:xfrm>
-              <a:off x="0" y="-1"/>
-              <a:ext cx="1517650" cy="439440"/>
-            </a:xfrm>
-            <a:prstGeom prst="rect">
-              <a:avLst/>
-            </a:prstGeom>
-            <a:solidFill>
-              <a:schemeClr val="accent1"/>
-            </a:solidFill>
-            <a:ln w="9525" cap="flat">
-              <a:solidFill>
-                <a:schemeClr val="accent6"/>
-              </a:solidFill>
-              <a:prstDash val="solid"/>
-              <a:round/>
-            </a:ln>
-            <a:effectLst/>
-          </p:spPr>
-          <p:txBody>
-            <a:bodyPr wrap="square" lIns="45719" tIns="45719" rIns="45719" bIns="45719" numCol="1" anchor="ctr">
-              <a:noAutofit/>
-            </a:bodyPr>
-            <a:lstStyle/>
-            <a:p>
-              <a:pPr algn="ctr">
-                <a:defRPr>
-                  <a:solidFill>
-                    <a:srgbClr val="FFFFFF"/>
-                  </a:solidFill>
-                </a:defRPr>
-              </a:pPr>
-            </a:p>
-          </p:txBody>
-        </p:sp>
-        <p:sp>
-          <p:nvSpPr>
-            <p:cNvPr id="51" name="W-Transact (0211)-Soft"/>
-            <p:cNvSpPr txBox="1"/>
-            <p:nvPr/>
-          </p:nvSpPr>
-          <p:spPr>
-            <a:xfrm>
-              <a:off x="50482" y="36376"/>
-              <a:ext cx="1416686" cy="366686"/>
-            </a:xfrm>
-            <a:prstGeom prst="rect">
-              <a:avLst/>
-            </a:prstGeom>
-            <a:noFill/>
-            <a:ln w="12700" cap="flat">
-              <a:noFill/>
-              <a:miter lim="400000"/>
-            </a:ln>
-            <a:effectLst/>
-            <a:extLst>
-              <a:ext uri="{C572A759-6A51-4108-AA02-DFA0A04FC94B}">
-                <ma14:wrappingTextBoxFlag xmlns:ma14="http://schemas.microsoft.com/office/mac/drawingml/2011/main" val="1"/>
-              </a:ext>
-            </a:extLst>
-          </p:spPr>
-          <p:txBody>
-            <a:bodyPr wrap="square" lIns="45719" tIns="45719" rIns="45719" bIns="45719" numCol="1" anchor="ctr">
-              <a:spAutoFit/>
-            </a:bodyPr>
-            <a:lstStyle>
-              <a:lvl1pPr algn="ctr">
-                <a:defRPr b="1" sz="1000">
-                  <a:solidFill>
-                    <a:srgbClr val="FFFFFF"/>
-                  </a:solidFill>
-                </a:defRPr>
-              </a:lvl1pPr>
-            </a:lstStyle>
-            <a:p>
-              <a:pPr/>
-              <a:r>
-                <a:t>W-Transact (0211)-Soft</a:t>
-              </a:r>
-            </a:p>
-          </p:txBody>
-        </p:sp>
-      </p:grpSp>
-      <p:grpSp>
-        <p:nvGrpSpPr>
-          <p:cNvPr id="55" name="Rectangle 25"/>
-          <p:cNvGrpSpPr/>
-          <p:nvPr/>
-        </p:nvGrpSpPr>
-        <p:grpSpPr>
-          <a:xfrm>
-            <a:off x="4978400" y="2055534"/>
-            <a:ext cx="1517650" cy="439439"/>
-            <a:chOff x="0" y="0"/>
-            <a:chExt cx="1517650" cy="439438"/>
-          </a:xfrm>
-        </p:grpSpPr>
-        <p:sp>
-          <p:nvSpPr>
-            <p:cNvPr id="53" name="Rectangle"/>
-            <p:cNvSpPr/>
-            <p:nvPr/>
-          </p:nvSpPr>
-          <p:spPr>
-            <a:xfrm>
-              <a:off x="0" y="-1"/>
-              <a:ext cx="1517650" cy="439440"/>
-            </a:xfrm>
-            <a:prstGeom prst="rect">
-              <a:avLst/>
-            </a:prstGeom>
-            <a:solidFill>
-              <a:schemeClr val="accent1"/>
-            </a:solidFill>
-            <a:ln w="9525" cap="flat">
-              <a:solidFill>
-                <a:schemeClr val="accent6"/>
-              </a:solidFill>
-              <a:prstDash val="solid"/>
-              <a:round/>
-            </a:ln>
-            <a:effectLst/>
-          </p:spPr>
-          <p:txBody>
-            <a:bodyPr wrap="square" lIns="45719" tIns="45719" rIns="45719" bIns="45719" numCol="1" anchor="ctr">
-              <a:noAutofit/>
-            </a:bodyPr>
-            <a:lstStyle/>
-            <a:p>
-              <a:pPr algn="ctr">
-                <a:defRPr>
-                  <a:solidFill>
-                    <a:srgbClr val="FFFFFF"/>
-                  </a:solidFill>
-                </a:defRPr>
-              </a:pPr>
-            </a:p>
-          </p:txBody>
-        </p:sp>
-        <p:sp>
-          <p:nvSpPr>
-            <p:cNvPr id="54" name="W-Transact (0212)-Hard"/>
-            <p:cNvSpPr txBox="1"/>
-            <p:nvPr/>
-          </p:nvSpPr>
-          <p:spPr>
-            <a:xfrm>
-              <a:off x="50482" y="36376"/>
-              <a:ext cx="1416686" cy="366686"/>
-            </a:xfrm>
-            <a:prstGeom prst="rect">
-              <a:avLst/>
-            </a:prstGeom>
-            <a:noFill/>
-            <a:ln w="12700" cap="flat">
-              <a:noFill/>
-              <a:miter lim="400000"/>
-            </a:ln>
-            <a:effectLst/>
-            <a:extLst>
-              <a:ext uri="{C572A759-6A51-4108-AA02-DFA0A04FC94B}">
-                <ma14:wrappingTextBoxFlag xmlns:ma14="http://schemas.microsoft.com/office/mac/drawingml/2011/main" val="1"/>
-              </a:ext>
-            </a:extLst>
-          </p:spPr>
-          <p:txBody>
-            <a:bodyPr wrap="square" lIns="45719" tIns="45719" rIns="45719" bIns="45719" numCol="1" anchor="ctr">
-              <a:spAutoFit/>
-            </a:bodyPr>
-            <a:lstStyle>
-              <a:lvl1pPr algn="ctr">
-                <a:defRPr b="1" sz="1000">
-                  <a:solidFill>
-                    <a:srgbClr val="FFFFFF"/>
-                  </a:solidFill>
-                </a:defRPr>
-              </a:lvl1pPr>
-            </a:lstStyle>
-            <a:p>
-              <a:pPr/>
-              <a:r>
-                <a:t>W-Transact (0212)-Hard</a:t>
-              </a:r>
-            </a:p>
-          </p:txBody>
-        </p:sp>
-      </p:grpSp>
-      <p:grpSp>
-        <p:nvGrpSpPr>
-          <p:cNvPr id="58" name="Rectangle 26"/>
-          <p:cNvGrpSpPr/>
-          <p:nvPr/>
-        </p:nvGrpSpPr>
-        <p:grpSpPr>
-          <a:xfrm>
-            <a:off x="4978400" y="2704777"/>
-            <a:ext cx="1517650" cy="439439"/>
-            <a:chOff x="0" y="0"/>
-            <a:chExt cx="1517650" cy="439438"/>
-          </a:xfrm>
-        </p:grpSpPr>
-        <p:sp>
-          <p:nvSpPr>
-            <p:cNvPr id="56" name="Rectangle"/>
-            <p:cNvSpPr/>
-            <p:nvPr/>
-          </p:nvSpPr>
-          <p:spPr>
-            <a:xfrm>
-              <a:off x="0" y="-1"/>
-              <a:ext cx="1517650" cy="439440"/>
-            </a:xfrm>
-            <a:prstGeom prst="rect">
-              <a:avLst/>
-            </a:prstGeom>
-            <a:solidFill>
-              <a:schemeClr val="accent1"/>
-            </a:solidFill>
-            <a:ln w="9525" cap="flat">
-              <a:solidFill>
-                <a:schemeClr val="accent6"/>
-              </a:solidFill>
-              <a:prstDash val="solid"/>
-              <a:round/>
-            </a:ln>
-            <a:effectLst/>
-          </p:spPr>
-          <p:txBody>
-            <a:bodyPr wrap="square" lIns="45719" tIns="45719" rIns="45719" bIns="45719" numCol="1" anchor="ctr">
-              <a:noAutofit/>
-            </a:bodyPr>
-            <a:lstStyle/>
-            <a:p>
-              <a:pPr algn="ctr">
-                <a:defRPr>
-                  <a:solidFill>
-                    <a:srgbClr val="FFFFFF"/>
-                  </a:solidFill>
-                </a:defRPr>
-              </a:pPr>
-            </a:p>
-          </p:txBody>
-        </p:sp>
-        <p:sp>
-          <p:nvSpPr>
-            <p:cNvPr id="57" name="W-Transact (0211)-Soft"/>
-            <p:cNvSpPr txBox="1"/>
-            <p:nvPr/>
-          </p:nvSpPr>
-          <p:spPr>
-            <a:xfrm>
-              <a:off x="50482" y="36376"/>
-              <a:ext cx="1416686" cy="366686"/>
-            </a:xfrm>
-            <a:prstGeom prst="rect">
-              <a:avLst/>
-            </a:prstGeom>
-            <a:noFill/>
-            <a:ln w="12700" cap="flat">
-              <a:noFill/>
-              <a:miter lim="400000"/>
-            </a:ln>
-            <a:effectLst/>
-            <a:extLst>
-              <a:ext uri="{C572A759-6A51-4108-AA02-DFA0A04FC94B}">
-                <ma14:wrappingTextBoxFlag xmlns:ma14="http://schemas.microsoft.com/office/mac/drawingml/2011/main" val="1"/>
-              </a:ext>
-            </a:extLst>
-          </p:spPr>
-          <p:txBody>
-            <a:bodyPr wrap="square" lIns="45719" tIns="45719" rIns="45719" bIns="45719" numCol="1" anchor="ctr">
-              <a:spAutoFit/>
-            </a:bodyPr>
-            <a:lstStyle>
-              <a:lvl1pPr algn="ctr">
-                <a:defRPr b="1" sz="1000">
-                  <a:solidFill>
-                    <a:srgbClr val="FFFFFF"/>
-                  </a:solidFill>
-                </a:defRPr>
-              </a:lvl1pPr>
-            </a:lstStyle>
-            <a:p>
-              <a:pPr/>
-              <a:r>
-                <a:t>W-Transact (0211)-Soft</a:t>
-              </a:r>
-            </a:p>
-          </p:txBody>
-        </p:sp>
-      </p:grpSp>
-      <p:grpSp>
-        <p:nvGrpSpPr>
-          <p:cNvPr id="61" name="Rectangle 27"/>
-          <p:cNvGrpSpPr/>
-          <p:nvPr/>
-        </p:nvGrpSpPr>
-        <p:grpSpPr>
-          <a:xfrm>
-            <a:off x="4978400" y="3875780"/>
-            <a:ext cx="1517650" cy="439439"/>
-            <a:chOff x="0" y="0"/>
-            <a:chExt cx="1517650" cy="439438"/>
-          </a:xfrm>
-        </p:grpSpPr>
-        <p:sp>
-          <p:nvSpPr>
-            <p:cNvPr id="59" name="Rectangle"/>
-            <p:cNvSpPr/>
-            <p:nvPr/>
-          </p:nvSpPr>
-          <p:spPr>
-            <a:xfrm>
-              <a:off x="0" y="-1"/>
-              <a:ext cx="1517650" cy="439440"/>
-            </a:xfrm>
-            <a:prstGeom prst="rect">
-              <a:avLst/>
-            </a:prstGeom>
-            <a:solidFill>
-              <a:schemeClr val="accent1"/>
-            </a:solidFill>
-            <a:ln w="9525" cap="flat">
-              <a:solidFill>
-                <a:schemeClr val="accent6"/>
-              </a:solidFill>
-              <a:prstDash val="solid"/>
-              <a:round/>
-            </a:ln>
-            <a:effectLst/>
-          </p:spPr>
-          <p:txBody>
-            <a:bodyPr wrap="square" lIns="45719" tIns="45719" rIns="45719" bIns="45719" numCol="1" anchor="ctr">
-              <a:noAutofit/>
-            </a:bodyPr>
-            <a:lstStyle/>
-            <a:p>
-              <a:pPr algn="ctr">
-                <a:defRPr>
-                  <a:solidFill>
-                    <a:srgbClr val="FFFFFF"/>
-                  </a:solidFill>
-                </a:defRPr>
-              </a:pPr>
-            </a:p>
-          </p:txBody>
-        </p:sp>
-        <p:sp>
-          <p:nvSpPr>
-            <p:cNvPr id="60" name="W-Transact (0212)-Hard"/>
-            <p:cNvSpPr txBox="1"/>
-            <p:nvPr/>
-          </p:nvSpPr>
-          <p:spPr>
-            <a:xfrm>
-              <a:off x="50482" y="36376"/>
-              <a:ext cx="1416686" cy="366686"/>
-            </a:xfrm>
-            <a:prstGeom prst="rect">
-              <a:avLst/>
-            </a:prstGeom>
-            <a:noFill/>
-            <a:ln w="12700" cap="flat">
-              <a:noFill/>
-              <a:miter lim="400000"/>
-            </a:ln>
-            <a:effectLst/>
-            <a:extLst>
-              <a:ext uri="{C572A759-6A51-4108-AA02-DFA0A04FC94B}">
-                <ma14:wrappingTextBoxFlag xmlns:ma14="http://schemas.microsoft.com/office/mac/drawingml/2011/main" val="1"/>
-              </a:ext>
-            </a:extLst>
-          </p:spPr>
-          <p:txBody>
-            <a:bodyPr wrap="square" lIns="45719" tIns="45719" rIns="45719" bIns="45719" numCol="1" anchor="ctr">
-              <a:spAutoFit/>
-            </a:bodyPr>
-            <a:lstStyle>
-              <a:lvl1pPr algn="ctr">
-                <a:defRPr b="1" sz="1000">
-                  <a:solidFill>
-                    <a:srgbClr val="FFFFFF"/>
-                  </a:solidFill>
-                </a:defRPr>
-              </a:lvl1pPr>
-            </a:lstStyle>
-            <a:p>
-              <a:pPr/>
-              <a:r>
-                <a:t>W-Transact (0212)-Hard</a:t>
-              </a:r>
-            </a:p>
-          </p:txBody>
-        </p:sp>
-      </p:grpSp>
-      <p:grpSp>
-        <p:nvGrpSpPr>
-          <p:cNvPr id="64" name="Rectangle 28"/>
-          <p:cNvGrpSpPr/>
-          <p:nvPr/>
-        </p:nvGrpSpPr>
-        <p:grpSpPr>
-          <a:xfrm>
-            <a:off x="4978400" y="5298037"/>
-            <a:ext cx="1517650" cy="439439"/>
-            <a:chOff x="0" y="0"/>
-            <a:chExt cx="1517650" cy="439438"/>
-          </a:xfrm>
-        </p:grpSpPr>
-        <p:sp>
-          <p:nvSpPr>
-            <p:cNvPr id="62" name="Rectangle"/>
-            <p:cNvSpPr/>
-            <p:nvPr/>
-          </p:nvSpPr>
-          <p:spPr>
-            <a:xfrm>
-              <a:off x="0" y="-1"/>
-              <a:ext cx="1517650" cy="439440"/>
-            </a:xfrm>
-            <a:prstGeom prst="rect">
-              <a:avLst/>
-            </a:prstGeom>
-            <a:solidFill>
-              <a:schemeClr val="accent1"/>
-            </a:solidFill>
-            <a:ln w="9525" cap="flat">
-              <a:solidFill>
-                <a:schemeClr val="accent6"/>
-              </a:solidFill>
-              <a:prstDash val="solid"/>
-              <a:round/>
-            </a:ln>
-            <a:effectLst/>
-          </p:spPr>
-          <p:txBody>
-            <a:bodyPr wrap="square" lIns="45719" tIns="45719" rIns="45719" bIns="45719" numCol="1" anchor="ctr">
-              <a:noAutofit/>
-            </a:bodyPr>
-            <a:lstStyle/>
-            <a:p>
-              <a:pPr algn="ctr">
-                <a:defRPr>
-                  <a:solidFill>
-                    <a:srgbClr val="FFFFFF"/>
-                  </a:solidFill>
-                </a:defRPr>
-              </a:pPr>
-            </a:p>
-          </p:txBody>
-        </p:sp>
-        <p:sp>
-          <p:nvSpPr>
-            <p:cNvPr id="63" name="W-Transact (0211)-Soft"/>
-            <p:cNvSpPr txBox="1"/>
-            <p:nvPr/>
-          </p:nvSpPr>
-          <p:spPr>
-            <a:xfrm>
-              <a:off x="50482" y="36376"/>
-              <a:ext cx="1416686" cy="366686"/>
-            </a:xfrm>
-            <a:prstGeom prst="rect">
-              <a:avLst/>
-            </a:prstGeom>
-            <a:noFill/>
-            <a:ln w="12700" cap="flat">
-              <a:noFill/>
-              <a:miter lim="400000"/>
-            </a:ln>
-            <a:effectLst/>
-            <a:extLst>
-              <a:ext uri="{C572A759-6A51-4108-AA02-DFA0A04FC94B}">
-                <ma14:wrappingTextBoxFlag xmlns:ma14="http://schemas.microsoft.com/office/mac/drawingml/2011/main" val="1"/>
-              </a:ext>
-            </a:extLst>
-          </p:spPr>
-          <p:txBody>
-            <a:bodyPr wrap="square" lIns="45719" tIns="45719" rIns="45719" bIns="45719" numCol="1" anchor="ctr">
-              <a:spAutoFit/>
-            </a:bodyPr>
-            <a:lstStyle>
-              <a:lvl1pPr algn="ctr">
-                <a:defRPr b="1" sz="1000">
-                  <a:solidFill>
-                    <a:srgbClr val="FFFFFF"/>
-                  </a:solidFill>
-                </a:defRPr>
-              </a:lvl1pPr>
-            </a:lstStyle>
-            <a:p>
-              <a:pPr/>
-              <a:r>
-                <a:t>W-Transact (0211)-Soft</a:t>
-              </a:r>
-            </a:p>
-          </p:txBody>
-        </p:sp>
-      </p:grpSp>
-      <p:sp>
-        <p:nvSpPr>
-          <p:cNvPr id="77" name="Connector: Elbow 30"/>
-          <p:cNvSpPr/>
-          <p:nvPr/>
-        </p:nvSpPr>
-        <p:spPr>
-          <a:xfrm>
-            <a:off x="4118610" y="982980"/>
-            <a:ext cx="854711" cy="610870"/>
-          </a:xfrm>
-          <a:custGeom>
-            <a:avLst/>
-            <a:gdLst/>
-            <a:ahLst/>
-            <a:cxnLst>
-              <a:cxn ang="0">
-                <a:pos x="wd2" y="hd2"/>
-              </a:cxn>
-              <a:cxn ang="5400000">
-                <a:pos x="wd2" y="hd2"/>
-              </a:cxn>
-              <a:cxn ang="10800000">
-                <a:pos x="wd2" y="hd2"/>
-              </a:cxn>
-              <a:cxn ang="16200000">
-                <a:pos x="wd2" y="hd2"/>
-              </a:cxn>
-            </a:cxnLst>
-            <a:rect l="0" t="0" r="r" b="b"/>
-            <a:pathLst>
-              <a:path w="21600" h="21600" fill="norm" stroke="1" extrusionOk="0">
-                <a:moveTo>
-                  <a:pt x="0" y="21600"/>
-                </a:moveTo>
-                <a:lnTo>
-                  <a:pt x="10816" y="21600"/>
-                </a:lnTo>
-                <a:lnTo>
-                  <a:pt x="10816" y="0"/>
-                </a:lnTo>
-                <a:lnTo>
-                  <a:pt x="21600" y="0"/>
-                </a:lnTo>
-              </a:path>
-            </a:pathLst>
-          </a:custGeom>
-          <a:ln>
-            <a:solidFill>
-              <a:schemeClr val="accent6"/>
-            </a:solidFill>
-          </a:ln>
-        </p:spPr>
-        <p:txBody>
-          <a:bodyPr/>
-          <a:lstStyle/>
-          <a:p>
-            <a:pPr/>
-          </a:p>
-        </p:txBody>
-      </p:sp>
-      <p:sp>
-        <p:nvSpPr>
-          <p:cNvPr id="78" name="Connector: Elbow 34"/>
-          <p:cNvSpPr/>
-          <p:nvPr/>
-        </p:nvSpPr>
-        <p:spPr>
-          <a:xfrm>
-            <a:off x="4118610" y="1593850"/>
-            <a:ext cx="854711" cy="680720"/>
-          </a:xfrm>
-          <a:custGeom>
-            <a:avLst/>
-            <a:gdLst/>
-            <a:ahLst/>
-            <a:cxnLst>
-              <a:cxn ang="0">
-                <a:pos x="wd2" y="hd2"/>
-              </a:cxn>
-              <a:cxn ang="5400000">
-                <a:pos x="wd2" y="hd2"/>
-              </a:cxn>
-              <a:cxn ang="10800000">
-                <a:pos x="wd2" y="hd2"/>
-              </a:cxn>
-              <a:cxn ang="16200000">
-                <a:pos x="wd2" y="hd2"/>
-              </a:cxn>
-            </a:cxnLst>
-            <a:rect l="0" t="0" r="r" b="b"/>
-            <a:pathLst>
-              <a:path w="21600" h="21600" fill="norm" stroke="1" extrusionOk="0">
-                <a:moveTo>
-                  <a:pt x="0" y="0"/>
-                </a:moveTo>
-                <a:lnTo>
-                  <a:pt x="10816" y="0"/>
-                </a:lnTo>
-                <a:lnTo>
-                  <a:pt x="10816" y="21600"/>
-                </a:lnTo>
-                <a:lnTo>
-                  <a:pt x="21600" y="21600"/>
-                </a:lnTo>
-              </a:path>
-            </a:pathLst>
-          </a:custGeom>
-          <a:ln>
-            <a:solidFill>
-              <a:schemeClr val="accent6"/>
-            </a:solidFill>
-          </a:ln>
-        </p:spPr>
-        <p:txBody>
-          <a:bodyPr/>
-          <a:lstStyle/>
-          <a:p>
-            <a:pPr/>
-          </a:p>
-        </p:txBody>
-      </p:sp>
-      <p:sp>
-        <p:nvSpPr>
-          <p:cNvPr id="79" name="Connector: Elbow 36"/>
-          <p:cNvSpPr/>
-          <p:nvPr/>
-        </p:nvSpPr>
-        <p:spPr>
-          <a:xfrm>
-            <a:off x="4128770" y="2923540"/>
-            <a:ext cx="844550" cy="480060"/>
-          </a:xfrm>
-          <a:custGeom>
-            <a:avLst/>
-            <a:gdLst/>
-            <a:ahLst/>
-            <a:cxnLst>
-              <a:cxn ang="0">
-                <a:pos x="wd2" y="hd2"/>
-              </a:cxn>
-              <a:cxn ang="5400000">
-                <a:pos x="wd2" y="hd2"/>
-              </a:cxn>
-              <a:cxn ang="10800000">
-                <a:pos x="wd2" y="hd2"/>
-              </a:cxn>
-              <a:cxn ang="16200000">
-                <a:pos x="wd2" y="hd2"/>
-              </a:cxn>
-            </a:cxnLst>
-            <a:rect l="0" t="0" r="r" b="b"/>
-            <a:pathLst>
-              <a:path w="21600" h="21600" fill="norm" stroke="1" extrusionOk="0">
-                <a:moveTo>
-                  <a:pt x="0" y="21600"/>
-                </a:moveTo>
-                <a:lnTo>
-                  <a:pt x="10784" y="21600"/>
-                </a:lnTo>
-                <a:lnTo>
-                  <a:pt x="10784" y="0"/>
-                </a:lnTo>
-                <a:lnTo>
-                  <a:pt x="21600" y="0"/>
-                </a:lnTo>
-              </a:path>
-            </a:pathLst>
-          </a:custGeom>
-          <a:ln>
-            <a:solidFill>
-              <a:schemeClr val="accent6"/>
-            </a:solidFill>
-          </a:ln>
-        </p:spPr>
-        <p:txBody>
-          <a:bodyPr/>
-          <a:lstStyle/>
-          <a:p>
-            <a:pPr/>
-          </a:p>
-        </p:txBody>
-      </p:sp>
-      <p:sp>
-        <p:nvSpPr>
-          <p:cNvPr id="80" name="Connector: Elbow 38"/>
-          <p:cNvSpPr/>
-          <p:nvPr/>
-        </p:nvSpPr>
-        <p:spPr>
-          <a:xfrm>
-            <a:off x="4128770" y="3403600"/>
-            <a:ext cx="844550" cy="690881"/>
-          </a:xfrm>
-          <a:custGeom>
-            <a:avLst/>
-            <a:gdLst/>
-            <a:ahLst/>
-            <a:cxnLst>
-              <a:cxn ang="0">
-                <a:pos x="wd2" y="hd2"/>
-              </a:cxn>
-              <a:cxn ang="5400000">
-                <a:pos x="wd2" y="hd2"/>
-              </a:cxn>
-              <a:cxn ang="10800000">
-                <a:pos x="wd2" y="hd2"/>
-              </a:cxn>
-              <a:cxn ang="16200000">
-                <a:pos x="wd2" y="hd2"/>
-              </a:cxn>
-            </a:cxnLst>
-            <a:rect l="0" t="0" r="r" b="b"/>
-            <a:pathLst>
-              <a:path w="21600" h="21600" fill="norm" stroke="1" extrusionOk="0">
-                <a:moveTo>
-                  <a:pt x="0" y="0"/>
-                </a:moveTo>
-                <a:lnTo>
-                  <a:pt x="10784" y="0"/>
-                </a:lnTo>
-                <a:lnTo>
-                  <a:pt x="10784" y="21600"/>
-                </a:lnTo>
-                <a:lnTo>
-                  <a:pt x="21600" y="21600"/>
-                </a:lnTo>
-              </a:path>
-            </a:pathLst>
-          </a:custGeom>
-          <a:ln>
-            <a:solidFill>
-              <a:schemeClr val="accent6"/>
-            </a:solidFill>
-          </a:ln>
-        </p:spPr>
-        <p:txBody>
-          <a:bodyPr/>
-          <a:lstStyle/>
-          <a:p>
-            <a:pPr/>
-          </a:p>
-        </p:txBody>
-      </p:sp>
-      <p:sp>
-        <p:nvSpPr>
-          <p:cNvPr id="69" name="TextBox 43"/>
-          <p:cNvSpPr txBox="1"/>
-          <p:nvPr/>
-        </p:nvSpPr>
-        <p:spPr>
-          <a:xfrm>
-            <a:off x="2871469" y="495791"/>
-            <a:ext cx="1699262" cy="264255"/>
+            <a:off x="-22592" y="179223"/>
+            <a:ext cx="8953501" cy="6235734"/>
           </a:xfrm>
           <a:prstGeom prst="rect">
             <a:avLst/>
@@ -3102,39 +1753,54 @@
           <a:ln w="12700">
             <a:miter lim="400000"/>
           </a:ln>
-          <a:extLst>
-            <a:ext uri="{C572A759-6A51-4108-AA02-DFA0A04FC94B}">
-              <ma14:wrappingTextBoxFlag xmlns:ma14="http://schemas.microsoft.com/office/mac/drawingml/2011/main" val="1"/>
-            </a:ext>
-          </a:extLst>
         </p:spPr>
-        <p:txBody>
-          <a:bodyPr lIns="45719" rIns="45719">
-            <a:spAutoFit/>
-          </a:bodyPr>
-          <a:lstStyle>
-            <a:lvl1pPr>
-              <a:defRPr b="1" sz="1200" u="sng"/>
-            </a:lvl1pPr>
-          </a:lstStyle>
-          <a:p>
-            <a:pPr/>
-            <a:r>
-              <a:t>Profit Centre</a:t>
-            </a:r>
-          </a:p>
-        </p:txBody>
-      </p:sp>
-      <p:sp>
-        <p:nvSpPr>
-          <p:cNvPr id="70" name="TextBox 44"/>
-          <p:cNvSpPr txBox="1"/>
+      </p:pic>
+    </p:spTree>
+  </p:cSld>
+  <p:clrMapOvr>
+    <a:masterClrMapping/>
+  </p:clrMapOvr>
+  <p:transition xmlns:p14="http://schemas.microsoft.com/office/powerpoint/2010/main" spd="med" advClick="1"/>
+</p:sld>
+</file>
+
+<file path=ppt/slides/slide2.xml><?xml version="1.0" encoding="utf-8"?>
+<p:sld xmlns:a="http://schemas.openxmlformats.org/drawingml/2006/main" xmlns:r="http://schemas.openxmlformats.org/officeDocument/2006/relationships" xmlns:p="http://schemas.openxmlformats.org/presentationml/2006/main" xmlns:m="http://schemas.openxmlformats.org/officeDocument/2006/math" xmlns:a14="http://schemas.microsoft.com/office/drawing/2010/main" showMasterSp="1" showMasterPhAnim="1">
+  <p:cSld>
+    <p:spTree>
+      <p:nvGrpSpPr>
+        <p:cNvPr id="1" name=""/>
+        <p:cNvGrpSpPr/>
+        <p:nvPr/>
+      </p:nvGrpSpPr>
+      <p:grpSpPr>
+        <a:xfrm>
+          <a:off x="0" y="0"/>
+          <a:ext cx="0" cy="0"/>
+          <a:chOff x="0" y="0"/>
+          <a:chExt cx="0" cy="0"/>
+        </a:xfrm>
+      </p:grpSpPr>
+      <p:pic>
+        <p:nvPicPr>
+          <p:cNvPr id="35" name="Picture 1" descr="Picture 1"/>
+          <p:cNvPicPr>
+            <a:picLocks noChangeAspect="1"/>
+          </p:cNvPicPr>
           <p:nvPr/>
-        </p:nvSpPr>
+        </p:nvPicPr>
+        <p:blipFill>
+          <a:blip r:embed="rId2">
+            <a:extLst/>
+          </a:blip>
+          <a:stretch>
+            <a:fillRect/>
+          </a:stretch>
+        </p:blipFill>
         <p:spPr>
           <a:xfrm>
-            <a:off x="4966969" y="470943"/>
-            <a:ext cx="1908812" cy="264256"/>
+            <a:off x="-56619" y="89764"/>
+            <a:ext cx="8806582" cy="6114511"/>
           </a:xfrm>
           <a:prstGeom prst="rect">
             <a:avLst/>
@@ -3142,188 +1808,66 @@
           <a:ln w="12700">
             <a:miter lim="400000"/>
           </a:ln>
-          <a:extLst>
-            <a:ext uri="{C572A759-6A51-4108-AA02-DFA0A04FC94B}">
-              <ma14:wrappingTextBoxFlag xmlns:ma14="http://schemas.microsoft.com/office/mac/drawingml/2011/main" val="1"/>
-            </a:ext>
-          </a:extLst>
         </p:spPr>
-        <p:txBody>
-          <a:bodyPr lIns="45719" rIns="45719">
-            <a:spAutoFit/>
-          </a:bodyPr>
-          <a:lstStyle>
-            <a:lvl1pPr>
-              <a:defRPr b="1" sz="1200" u="sng"/>
-            </a:lvl1pPr>
-          </a:lstStyle>
-          <a:p>
-            <a:pPr/>
-            <a:r>
-              <a:t>Profit Centre Elements</a:t>
-            </a:r>
-          </a:p>
-        </p:txBody>
-      </p:sp>
-      <p:grpSp>
-        <p:nvGrpSpPr>
-          <p:cNvPr id="73" name="Oval 45"/>
-          <p:cNvGrpSpPr/>
+      </p:pic>
+    </p:spTree>
+  </p:cSld>
+  <p:clrMapOvr>
+    <a:masterClrMapping/>
+  </p:clrMapOvr>
+  <p:transition xmlns:p14="http://schemas.microsoft.com/office/powerpoint/2010/main" spd="med" advClick="1"/>
+</p:sld>
+</file>
+
+<file path=ppt/slides/slide3.xml><?xml version="1.0" encoding="utf-8"?>
+<p:sld xmlns:a="http://schemas.openxmlformats.org/drawingml/2006/main" xmlns:r="http://schemas.openxmlformats.org/officeDocument/2006/relationships" xmlns:p="http://schemas.openxmlformats.org/presentationml/2006/main" xmlns:m="http://schemas.openxmlformats.org/officeDocument/2006/math" xmlns:a14="http://schemas.microsoft.com/office/drawing/2010/main" showMasterSp="1" showMasterPhAnim="1">
+  <p:cSld>
+    <p:spTree>
+      <p:nvGrpSpPr>
+        <p:cNvPr id="1" name=""/>
+        <p:cNvGrpSpPr/>
+        <p:nvPr/>
+      </p:nvGrpSpPr>
+      <p:grpSpPr>
+        <a:xfrm>
+          <a:off x="0" y="0"/>
+          <a:ext cx="0" cy="0"/>
+          <a:chOff x="0" y="0"/>
+          <a:chExt cx="0" cy="0"/>
+        </a:xfrm>
+      </p:grpSpPr>
+      <p:pic>
+        <p:nvPicPr>
+          <p:cNvPr id="37" name="Picture 5" descr="Picture 5"/>
+          <p:cNvPicPr>
+            <a:picLocks noChangeAspect="1"/>
+          </p:cNvPicPr>
           <p:nvPr/>
-        </p:nvGrpSpPr>
-        <p:grpSpPr>
-          <a:xfrm>
-            <a:off x="2063469" y="3166612"/>
-            <a:ext cx="275131" cy="350662"/>
-            <a:chOff x="0" y="0"/>
-            <a:chExt cx="275129" cy="350661"/>
-          </a:xfrm>
-        </p:grpSpPr>
-        <p:sp>
-          <p:nvSpPr>
-            <p:cNvPr id="71" name="Circle"/>
-            <p:cNvSpPr/>
-            <p:nvPr/>
-          </p:nvSpPr>
-          <p:spPr>
-            <a:xfrm>
-              <a:off x="0" y="37833"/>
-              <a:ext cx="275130" cy="274995"/>
-            </a:xfrm>
-            <a:prstGeom prst="ellipse">
-              <a:avLst/>
-            </a:prstGeom>
-            <a:solidFill>
-              <a:schemeClr val="accent1"/>
-            </a:solidFill>
-            <a:ln w="9525" cap="flat">
-              <a:solidFill>
-                <a:schemeClr val="accent6"/>
-              </a:solidFill>
-              <a:prstDash val="solid"/>
-              <a:round/>
-            </a:ln>
-            <a:effectLst/>
-          </p:spPr>
-          <p:txBody>
-            <a:bodyPr wrap="square" lIns="45719" tIns="45719" rIns="45719" bIns="45719" numCol="1" anchor="ctr">
-              <a:noAutofit/>
-            </a:bodyPr>
-            <a:lstStyle/>
-            <a:p>
-              <a:pPr algn="ctr">
-                <a:defRPr>
-                  <a:solidFill>
-                    <a:srgbClr val="FFFFFF"/>
-                  </a:solidFill>
-                </a:defRPr>
-              </a:pPr>
-            </a:p>
-          </p:txBody>
-        </p:sp>
-        <p:sp>
-          <p:nvSpPr>
-            <p:cNvPr id="72" name="+"/>
-            <p:cNvSpPr txBox="1"/>
-            <p:nvPr/>
-          </p:nvSpPr>
-          <p:spPr>
-            <a:xfrm>
-              <a:off x="90774" y="0"/>
-              <a:ext cx="93581" cy="350662"/>
-            </a:xfrm>
-            <a:prstGeom prst="rect">
-              <a:avLst/>
-            </a:prstGeom>
-            <a:noFill/>
-            <a:ln w="12700" cap="flat">
-              <a:noFill/>
-              <a:miter lim="400000"/>
-            </a:ln>
-            <a:effectLst/>
-            <a:extLst>
-              <a:ext uri="{C572A759-6A51-4108-AA02-DFA0A04FC94B}">
-                <ma14:wrappingTextBoxFlag xmlns:ma14="http://schemas.microsoft.com/office/mac/drawingml/2011/main" val="1"/>
-              </a:ext>
-            </a:extLst>
-          </p:spPr>
-          <p:txBody>
-            <a:bodyPr wrap="square" lIns="45719" tIns="45719" rIns="45719" bIns="45719" numCol="1" anchor="ctr">
-              <a:spAutoFit/>
-            </a:bodyPr>
-            <a:lstStyle>
-              <a:lvl1pPr algn="ctr">
-                <a:defRPr b="1">
-                  <a:solidFill>
-                    <a:srgbClr val="FFFFFF"/>
-                  </a:solidFill>
-                </a:defRPr>
-              </a:lvl1pPr>
-            </a:lstStyle>
-            <a:p>
-              <a:pPr/>
-              <a:r>
-                <a:t>+</a:t>
-              </a:r>
-            </a:p>
-          </p:txBody>
-        </p:sp>
-      </p:grpSp>
-      <p:sp>
-        <p:nvSpPr>
-          <p:cNvPr id="81" name="Straight Connector 6"/>
-          <p:cNvSpPr/>
-          <p:nvPr/>
-        </p:nvSpPr>
+        </p:nvPicPr>
+        <p:blipFill>
+          <a:blip r:embed="rId2">
+            <a:extLst/>
+          </a:blip>
+          <a:stretch>
+            <a:fillRect/>
+          </a:stretch>
+        </p:blipFill>
         <p:spPr>
           <a:xfrm>
-            <a:off x="4129087" y="5520180"/>
-            <a:ext cx="844551" cy="2684"/>
+            <a:off x="107984" y="82432"/>
+            <a:ext cx="8831206" cy="6150561"/>
           </a:xfrm>
-          <a:custGeom>
+          <a:prstGeom prst="rect">
             <a:avLst/>
-            <a:gdLst/>
-            <a:ahLst/>
-            <a:cxnLst>
-              <a:cxn ang="0">
-                <a:pos x="wd2" y="hd2"/>
-              </a:cxn>
-              <a:cxn ang="5400000">
-                <a:pos x="wd2" y="hd2"/>
-              </a:cxn>
-              <a:cxn ang="10800000">
-                <a:pos x="wd2" y="hd2"/>
-              </a:cxn>
-              <a:cxn ang="16200000">
-                <a:pos x="wd2" y="hd2"/>
-              </a:cxn>
-            </a:cxnLst>
-            <a:rect l="0" t="0" r="r" b="b"/>
-            <a:pathLst>
-              <a:path w="21600" h="21600" fill="norm" stroke="1" extrusionOk="0">
-                <a:moveTo>
-                  <a:pt x="0" y="21600"/>
-                </a:moveTo>
-                <a:lnTo>
-                  <a:pt x="21600" y="0"/>
-                </a:lnTo>
-              </a:path>
-            </a:pathLst>
-          </a:custGeom>
-          <a:ln>
-            <a:solidFill>
-              <a:schemeClr val="accent6"/>
-            </a:solidFill>
+          </a:prstGeom>
+          <a:ln w="12700">
+            <a:miter lim="400000"/>
           </a:ln>
+          <a:effectLst>
+            <a:reflection blurRad="0" stA="98608" stPos="0" endA="0" endPos="40000" dist="0" dir="5400000" fadeDir="5400000" sx="100000" sy="-100000" kx="0" ky="0" algn="bl" rotWithShape="0"/>
+          </a:effectLst>
         </p:spPr>
-        <p:txBody>
-          <a:bodyPr/>
-          <a:lstStyle/>
-          <a:p>
-            <a:pPr/>
-          </a:p>
-        </p:txBody>
-      </p:sp>
+      </p:pic>
     </p:spTree>
   </p:cSld>
   <p:clrMapOvr>
@@ -3465,13 +2009,7 @@
           <a:effectLst/>
         </a:effectStyle>
         <a:effectStyle>
-          <a:effectLst>
-            <a:outerShdw sx="100000" sy="100000" kx="0" ky="0" algn="b" rotWithShape="0" blurRad="38100" dist="20000" dir="5400000">
-              <a:srgbClr val="000000">
-                <a:alpha val="38000"/>
-              </a:srgbClr>
-            </a:outerShdw>
-          </a:effectLst>
+          <a:effectLst/>
         </a:effectStyle>
       </a:effectStyleLst>
       <a:bgFillStyleLst>
@@ -3542,7 +2080,7 @@
         <a:effectLst/>
         <a:sp3d/>
       </a:spPr>
-      <a:bodyPr rot="0" spcFirstLastPara="1" vertOverflow="overflow" horzOverflow="overflow" vert="horz" wrap="square" lIns="45719" tIns="45719" rIns="45719" bIns="45719" numCol="1" spcCol="38100" rtlCol="0" anchor="ctr" upright="0">
+      <a:bodyPr rot="0" spcFirstLastPara="1" vertOverflow="overflow" horzOverflow="overflow" vert="horz" wrap="square" lIns="45718" tIns="45718" rIns="45718" bIns="45718" numCol="1" spcCol="38100" rtlCol="0" anchor="ctr" upright="0">
         <a:spAutoFit/>
       </a:bodyPr>
       <a:lstStyle>
@@ -3570,10 +2108,10 @@
             </a:solidFill>
             <a:effectLst/>
             <a:uFillTx/>
-            <a:latin typeface="Arial"/>
-            <a:ea typeface="Arial"/>
-            <a:cs typeface="Arial"/>
-            <a:sym typeface="Arial"/>
+            <a:latin typeface="+mn-lt"/>
+            <a:ea typeface="+mn-ea"/>
+            <a:cs typeface="+mn-cs"/>
+            <a:sym typeface="Calibri"/>
           </a:defRPr>
         </a:defPPr>
         <a:lvl1pPr marL="0" marR="0" indent="0" algn="l" defTabSz="914400" rtl="0" fontAlgn="auto" latinLnBrk="1" hangingPunct="0">
@@ -3828,13 +2366,7 @@
           <a:prstDash val="solid"/>
           <a:round/>
         </a:ln>
-        <a:effectLst>
-          <a:outerShdw sx="100000" sy="100000" kx="0" ky="0" algn="b" rotWithShape="0" blurRad="38100" dist="20000" dir="5400000">
-            <a:srgbClr val="000000">
-              <a:alpha val="38000"/>
-            </a:srgbClr>
-          </a:outerShdw>
-        </a:effectLst>
+        <a:effectLst/>
         <a:sp3d/>
       </a:spPr>
       <a:bodyPr rot="0" spcFirstLastPara="1" vertOverflow="overflow" horzOverflow="overflow" vert="horz" wrap="square" lIns="91439" tIns="45719" rIns="91439" bIns="45719" numCol="1" spcCol="38100" rtlCol="0" anchor="t" upright="0">
@@ -4119,7 +2651,7 @@
         <a:effectLst/>
         <a:sp3d/>
       </a:spPr>
-      <a:bodyPr rot="0" spcFirstLastPara="1" vertOverflow="overflow" horzOverflow="overflow" vert="horz" wrap="square" lIns="45719" tIns="45719" rIns="45719" bIns="45719" numCol="1" spcCol="38100" rtlCol="0" anchor="t" upright="0">
+      <a:bodyPr rot="0" spcFirstLastPara="1" vertOverflow="overflow" horzOverflow="overflow" vert="horz" wrap="square" lIns="45718" tIns="45718" rIns="45718" bIns="45718" numCol="1" spcCol="38100" rtlCol="0" anchor="t" upright="0">
         <a:spAutoFit/>
       </a:bodyPr>
       <a:lstStyle>
@@ -4147,10 +2679,10 @@
             </a:solidFill>
             <a:effectLst/>
             <a:uFillTx/>
-            <a:latin typeface="Arial"/>
-            <a:ea typeface="Arial"/>
-            <a:cs typeface="Arial"/>
-            <a:sym typeface="Arial"/>
+            <a:latin typeface="+mn-lt"/>
+            <a:ea typeface="+mn-ea"/>
+            <a:cs typeface="+mn-cs"/>
+            <a:sym typeface="Calibri"/>
           </a:defRPr>
         </a:defPPr>
         <a:lvl1pPr marL="0" marR="0" indent="0" algn="l" defTabSz="914400" rtl="0" fontAlgn="auto" latinLnBrk="1" hangingPunct="0">
@@ -4531,13 +3063,7 @@
           <a:effectLst/>
         </a:effectStyle>
         <a:effectStyle>
-          <a:effectLst>
-            <a:outerShdw sx="100000" sy="100000" kx="0" ky="0" algn="b" rotWithShape="0" blurRad="38100" dist="20000" dir="5400000">
-              <a:srgbClr val="000000">
-                <a:alpha val="38000"/>
-              </a:srgbClr>
-            </a:outerShdw>
-          </a:effectLst>
+          <a:effectLst/>
         </a:effectStyle>
       </a:effectStyleLst>
       <a:bgFillStyleLst>
@@ -4608,7 +3134,7 @@
         <a:effectLst/>
         <a:sp3d/>
       </a:spPr>
-      <a:bodyPr rot="0" spcFirstLastPara="1" vertOverflow="overflow" horzOverflow="overflow" vert="horz" wrap="square" lIns="45719" tIns="45719" rIns="45719" bIns="45719" numCol="1" spcCol="38100" rtlCol="0" anchor="ctr" upright="0">
+      <a:bodyPr rot="0" spcFirstLastPara="1" vertOverflow="overflow" horzOverflow="overflow" vert="horz" wrap="square" lIns="45718" tIns="45718" rIns="45718" bIns="45718" numCol="1" spcCol="38100" rtlCol="0" anchor="ctr" upright="0">
         <a:spAutoFit/>
       </a:bodyPr>
       <a:lstStyle>
@@ -4636,10 +3162,10 @@
             </a:solidFill>
             <a:effectLst/>
             <a:uFillTx/>
-            <a:latin typeface="Arial"/>
-            <a:ea typeface="Arial"/>
-            <a:cs typeface="Arial"/>
-            <a:sym typeface="Arial"/>
+            <a:latin typeface="+mn-lt"/>
+            <a:ea typeface="+mn-ea"/>
+            <a:cs typeface="+mn-cs"/>
+            <a:sym typeface="Calibri"/>
           </a:defRPr>
         </a:defPPr>
         <a:lvl1pPr marL="0" marR="0" indent="0" algn="l" defTabSz="914400" rtl="0" fontAlgn="auto" latinLnBrk="1" hangingPunct="0">
@@ -4894,13 +3420,7 @@
           <a:prstDash val="solid"/>
           <a:round/>
         </a:ln>
-        <a:effectLst>
-          <a:outerShdw sx="100000" sy="100000" kx="0" ky="0" algn="b" rotWithShape="0" blurRad="38100" dist="20000" dir="5400000">
-            <a:srgbClr val="000000">
-              <a:alpha val="38000"/>
-            </a:srgbClr>
-          </a:outerShdw>
-        </a:effectLst>
+        <a:effectLst/>
         <a:sp3d/>
       </a:spPr>
       <a:bodyPr rot="0" spcFirstLastPara="1" vertOverflow="overflow" horzOverflow="overflow" vert="horz" wrap="square" lIns="91439" tIns="45719" rIns="91439" bIns="45719" numCol="1" spcCol="38100" rtlCol="0" anchor="t" upright="0">
@@ -5185,7 +3705,7 @@
         <a:effectLst/>
         <a:sp3d/>
       </a:spPr>
-      <a:bodyPr rot="0" spcFirstLastPara="1" vertOverflow="overflow" horzOverflow="overflow" vert="horz" wrap="square" lIns="45719" tIns="45719" rIns="45719" bIns="45719" numCol="1" spcCol="38100" rtlCol="0" anchor="t" upright="0">
+      <a:bodyPr rot="0" spcFirstLastPara="1" vertOverflow="overflow" horzOverflow="overflow" vert="horz" wrap="square" lIns="45718" tIns="45718" rIns="45718" bIns="45718" numCol="1" spcCol="38100" rtlCol="0" anchor="t" upright="0">
         <a:spAutoFit/>
       </a:bodyPr>
       <a:lstStyle>
@@ -5213,10 +3733,10 @@
             </a:solidFill>
             <a:effectLst/>
             <a:uFillTx/>
-            <a:latin typeface="Arial"/>
-            <a:ea typeface="Arial"/>
-            <a:cs typeface="Arial"/>
-            <a:sym typeface="Arial"/>
+            <a:latin typeface="+mn-lt"/>
+            <a:ea typeface="+mn-ea"/>
+            <a:cs typeface="+mn-cs"/>
+            <a:sym typeface="Calibri"/>
           </a:defRPr>
         </a:defPPr>
         <a:lvl1pPr marL="0" marR="0" indent="0" algn="l" defTabSz="914400" rtl="0" fontAlgn="auto" latinLnBrk="1" hangingPunct="0">
